--- a/Documents/Mission impossible project presentation.pptx
+++ b/Documents/Mission impossible project presentation.pptx
@@ -108,6 +108,11 @@
       </a:defRPr>
     </a:lvl9pPr>
   </p:defaultTextStyle>
+  <p:extLst>
+    <p:ext uri="{EFAFB233-063F-42B5-8137-9DF3F51BA10A}">
+      <p15:sldGuideLst xmlns:p15="http://schemas.microsoft.com/office/powerpoint/2012/main"/>
+    </p:ext>
+  </p:extLst>
 </p:presentation>
 </file>
 
@@ -260,7 +265,7 @@
           <a:p>
             <a:fld id="{82D8F485-638F-48F0-AE9F-48157F84472E}" type="datetimeFigureOut">
               <a:rPr lang="bg-BG" smtClean="0"/>
-              <a:t>26.3.2023 г.</a:t>
+              <a:t>27.3.2023 г.</a:t>
             </a:fld>
             <a:endParaRPr lang="bg-BG"/>
           </a:p>
@@ -460,7 +465,7 @@
           <a:p>
             <a:fld id="{82D8F485-638F-48F0-AE9F-48157F84472E}" type="datetimeFigureOut">
               <a:rPr lang="bg-BG" smtClean="0"/>
-              <a:t>26.3.2023 г.</a:t>
+              <a:t>27.3.2023 г.</a:t>
             </a:fld>
             <a:endParaRPr lang="bg-BG"/>
           </a:p>
@@ -670,7 +675,7 @@
           <a:p>
             <a:fld id="{82D8F485-638F-48F0-AE9F-48157F84472E}" type="datetimeFigureOut">
               <a:rPr lang="bg-BG" smtClean="0"/>
-              <a:t>26.3.2023 г.</a:t>
+              <a:t>27.3.2023 г.</a:t>
             </a:fld>
             <a:endParaRPr lang="bg-BG"/>
           </a:p>
@@ -870,7 +875,7 @@
           <a:p>
             <a:fld id="{82D8F485-638F-48F0-AE9F-48157F84472E}" type="datetimeFigureOut">
               <a:rPr lang="bg-BG" smtClean="0"/>
-              <a:t>26.3.2023 г.</a:t>
+              <a:t>27.3.2023 г.</a:t>
             </a:fld>
             <a:endParaRPr lang="bg-BG"/>
           </a:p>
@@ -1146,7 +1151,7 @@
           <a:p>
             <a:fld id="{82D8F485-638F-48F0-AE9F-48157F84472E}" type="datetimeFigureOut">
               <a:rPr lang="bg-BG" smtClean="0"/>
-              <a:t>26.3.2023 г.</a:t>
+              <a:t>27.3.2023 г.</a:t>
             </a:fld>
             <a:endParaRPr lang="bg-BG"/>
           </a:p>
@@ -1414,7 +1419,7 @@
           <a:p>
             <a:fld id="{82D8F485-638F-48F0-AE9F-48157F84472E}" type="datetimeFigureOut">
               <a:rPr lang="bg-BG" smtClean="0"/>
-              <a:t>26.3.2023 г.</a:t>
+              <a:t>27.3.2023 г.</a:t>
             </a:fld>
             <a:endParaRPr lang="bg-BG"/>
           </a:p>
@@ -1829,7 +1834,7 @@
           <a:p>
             <a:fld id="{82D8F485-638F-48F0-AE9F-48157F84472E}" type="datetimeFigureOut">
               <a:rPr lang="bg-BG" smtClean="0"/>
-              <a:t>26.3.2023 г.</a:t>
+              <a:t>27.3.2023 г.</a:t>
             </a:fld>
             <a:endParaRPr lang="bg-BG"/>
           </a:p>
@@ -1971,7 +1976,7 @@
           <a:p>
             <a:fld id="{82D8F485-638F-48F0-AE9F-48157F84472E}" type="datetimeFigureOut">
               <a:rPr lang="bg-BG" smtClean="0"/>
-              <a:t>26.3.2023 г.</a:t>
+              <a:t>27.3.2023 г.</a:t>
             </a:fld>
             <a:endParaRPr lang="bg-BG"/>
           </a:p>
@@ -2084,7 +2089,7 @@
           <a:p>
             <a:fld id="{82D8F485-638F-48F0-AE9F-48157F84472E}" type="datetimeFigureOut">
               <a:rPr lang="bg-BG" smtClean="0"/>
-              <a:t>26.3.2023 г.</a:t>
+              <a:t>27.3.2023 г.</a:t>
             </a:fld>
             <a:endParaRPr lang="bg-BG"/>
           </a:p>
@@ -2397,7 +2402,7 @@
           <a:p>
             <a:fld id="{82D8F485-638F-48F0-AE9F-48157F84472E}" type="datetimeFigureOut">
               <a:rPr lang="bg-BG" smtClean="0"/>
-              <a:t>26.3.2023 г.</a:t>
+              <a:t>27.3.2023 г.</a:t>
             </a:fld>
             <a:endParaRPr lang="bg-BG"/>
           </a:p>
@@ -2686,7 +2691,7 @@
           <a:p>
             <a:fld id="{82D8F485-638F-48F0-AE9F-48157F84472E}" type="datetimeFigureOut">
               <a:rPr lang="bg-BG" smtClean="0"/>
-              <a:t>26.3.2023 г.</a:t>
+              <a:t>27.3.2023 г.</a:t>
             </a:fld>
             <a:endParaRPr lang="bg-BG"/>
           </a:p>
@@ -2929,7 +2934,7 @@
           <a:p>
             <a:fld id="{82D8F485-638F-48F0-AE9F-48157F84472E}" type="datetimeFigureOut">
               <a:rPr lang="bg-BG" smtClean="0"/>
-              <a:t>26.3.2023 г.</a:t>
+              <a:t>27.3.2023 г.</a:t>
             </a:fld>
             <a:endParaRPr lang="bg-BG"/>
           </a:p>
@@ -3687,13 +3692,13 @@
   <p:clrMapOvr>
     <a:masterClrMapping/>
   </p:clrMapOvr>
-  <mc:AlternateContent xmlns:mc="http://schemas.openxmlformats.org/markup-compatibility/2006">
-    <mc:Choice xmlns:p14="http://schemas.microsoft.com/office/powerpoint/2010/main" Requires="p14">
+  <mc:AlternateContent xmlns:mc="http://schemas.openxmlformats.org/markup-compatibility/2006" xmlns:p14="http://schemas.microsoft.com/office/powerpoint/2010/main">
+    <mc:Choice Requires="p14">
       <p:transition spd="slow" p14:dur="3400">
         <p14:reveal/>
       </p:transition>
     </mc:Choice>
-    <mc:Fallback>
+    <mc:Fallback xmlns="">
       <p:transition spd="slow">
         <p:fade/>
       </p:transition>
@@ -4985,13 +4990,13 @@
   <p:clrMapOvr>
     <a:masterClrMapping/>
   </p:clrMapOvr>
-  <mc:AlternateContent xmlns:mc="http://schemas.openxmlformats.org/markup-compatibility/2006">
-    <mc:Choice xmlns:p14="http://schemas.microsoft.com/office/powerpoint/2010/main" Requires="p14">
+  <mc:AlternateContent xmlns:mc="http://schemas.openxmlformats.org/markup-compatibility/2006" xmlns:p14="http://schemas.microsoft.com/office/powerpoint/2010/main">
+    <mc:Choice Requires="p14">
       <p:transition spd="slow" p14:dur="1500">
         <p:split orient="vert"/>
       </p:transition>
     </mc:Choice>
-    <mc:Fallback>
+    <mc:Fallback xmlns="">
       <p:transition spd="slow">
         <p:split orient="vert"/>
       </p:transition>
@@ -5740,13 +5745,13 @@
   <p:clrMapOvr>
     <a:masterClrMapping/>
   </p:clrMapOvr>
-  <mc:AlternateContent xmlns:mc="http://schemas.openxmlformats.org/markup-compatibility/2006">
-    <mc:Choice xmlns:p15="http://schemas.microsoft.com/office/powerpoint/2012/main" Requires="p15">
+  <mc:AlternateContent xmlns:mc="http://schemas.openxmlformats.org/markup-compatibility/2006" xmlns:p15="http://schemas.microsoft.com/office/powerpoint/2012/main">
+    <mc:Choice Requires="p15">
       <p:transition xmlns:p14="http://schemas.microsoft.com/office/powerpoint/2010/main" spd="slow" p14:dur="2000">
         <p15:prstTrans prst="drape"/>
       </p:transition>
     </mc:Choice>
-    <mc:Fallback>
+    <mc:Fallback xmlns="">
       <p:transition spd="slow">
         <p:fade/>
       </p:transition>

--- a/Documents/Mission impossible project presentation.pptx
+++ b/Documents/Mission impossible project presentation.pptx
@@ -265,7 +265,7 @@
           <a:p>
             <a:fld id="{82D8F485-638F-48F0-AE9F-48157F84472E}" type="datetimeFigureOut">
               <a:rPr lang="bg-BG" smtClean="0"/>
-              <a:t>27.3.2023 г.</a:t>
+              <a:t>28.3.2023 г.</a:t>
             </a:fld>
             <a:endParaRPr lang="bg-BG"/>
           </a:p>
@@ -465,7 +465,7 @@
           <a:p>
             <a:fld id="{82D8F485-638F-48F0-AE9F-48157F84472E}" type="datetimeFigureOut">
               <a:rPr lang="bg-BG" smtClean="0"/>
-              <a:t>27.3.2023 г.</a:t>
+              <a:t>28.3.2023 г.</a:t>
             </a:fld>
             <a:endParaRPr lang="bg-BG"/>
           </a:p>
@@ -675,7 +675,7 @@
           <a:p>
             <a:fld id="{82D8F485-638F-48F0-AE9F-48157F84472E}" type="datetimeFigureOut">
               <a:rPr lang="bg-BG" smtClean="0"/>
-              <a:t>27.3.2023 г.</a:t>
+              <a:t>28.3.2023 г.</a:t>
             </a:fld>
             <a:endParaRPr lang="bg-BG"/>
           </a:p>
@@ -875,7 +875,7 @@
           <a:p>
             <a:fld id="{82D8F485-638F-48F0-AE9F-48157F84472E}" type="datetimeFigureOut">
               <a:rPr lang="bg-BG" smtClean="0"/>
-              <a:t>27.3.2023 г.</a:t>
+              <a:t>28.3.2023 г.</a:t>
             </a:fld>
             <a:endParaRPr lang="bg-BG"/>
           </a:p>
@@ -1151,7 +1151,7 @@
           <a:p>
             <a:fld id="{82D8F485-638F-48F0-AE9F-48157F84472E}" type="datetimeFigureOut">
               <a:rPr lang="bg-BG" smtClean="0"/>
-              <a:t>27.3.2023 г.</a:t>
+              <a:t>28.3.2023 г.</a:t>
             </a:fld>
             <a:endParaRPr lang="bg-BG"/>
           </a:p>
@@ -1419,7 +1419,7 @@
           <a:p>
             <a:fld id="{82D8F485-638F-48F0-AE9F-48157F84472E}" type="datetimeFigureOut">
               <a:rPr lang="bg-BG" smtClean="0"/>
-              <a:t>27.3.2023 г.</a:t>
+              <a:t>28.3.2023 г.</a:t>
             </a:fld>
             <a:endParaRPr lang="bg-BG"/>
           </a:p>
@@ -1834,7 +1834,7 @@
           <a:p>
             <a:fld id="{82D8F485-638F-48F0-AE9F-48157F84472E}" type="datetimeFigureOut">
               <a:rPr lang="bg-BG" smtClean="0"/>
-              <a:t>27.3.2023 г.</a:t>
+              <a:t>28.3.2023 г.</a:t>
             </a:fld>
             <a:endParaRPr lang="bg-BG"/>
           </a:p>
@@ -1976,7 +1976,7 @@
           <a:p>
             <a:fld id="{82D8F485-638F-48F0-AE9F-48157F84472E}" type="datetimeFigureOut">
               <a:rPr lang="bg-BG" smtClean="0"/>
-              <a:t>27.3.2023 г.</a:t>
+              <a:t>28.3.2023 г.</a:t>
             </a:fld>
             <a:endParaRPr lang="bg-BG"/>
           </a:p>
@@ -2089,7 +2089,7 @@
           <a:p>
             <a:fld id="{82D8F485-638F-48F0-AE9F-48157F84472E}" type="datetimeFigureOut">
               <a:rPr lang="bg-BG" smtClean="0"/>
-              <a:t>27.3.2023 г.</a:t>
+              <a:t>28.3.2023 г.</a:t>
             </a:fld>
             <a:endParaRPr lang="bg-BG"/>
           </a:p>
@@ -2402,7 +2402,7 @@
           <a:p>
             <a:fld id="{82D8F485-638F-48F0-AE9F-48157F84472E}" type="datetimeFigureOut">
               <a:rPr lang="bg-BG" smtClean="0"/>
-              <a:t>27.3.2023 г.</a:t>
+              <a:t>28.3.2023 г.</a:t>
             </a:fld>
             <a:endParaRPr lang="bg-BG"/>
           </a:p>
@@ -2691,7 +2691,7 @@
           <a:p>
             <a:fld id="{82D8F485-638F-48F0-AE9F-48157F84472E}" type="datetimeFigureOut">
               <a:rPr lang="bg-BG" smtClean="0"/>
-              <a:t>27.3.2023 г.</a:t>
+              <a:t>28.3.2023 г.</a:t>
             </a:fld>
             <a:endParaRPr lang="bg-BG"/>
           </a:p>
@@ -2934,7 +2934,7 @@
           <a:p>
             <a:fld id="{82D8F485-638F-48F0-AE9F-48157F84472E}" type="datetimeFigureOut">
               <a:rPr lang="bg-BG" smtClean="0"/>
-              <a:t>27.3.2023 г.</a:t>
+              <a:t>28.3.2023 г.</a:t>
             </a:fld>
             <a:endParaRPr lang="bg-BG"/>
           </a:p>
@@ -3351,6 +3351,39 @@
           <a:chExt cx="0" cy="0"/>
         </a:xfrm>
       </p:grpSpPr>
+      <p:pic>
+        <p:nvPicPr>
+          <p:cNvPr id="15" name="Picture 14">
+            <a:extLst>
+              <a:ext uri="{FF2B5EF4-FFF2-40B4-BE49-F238E27FC236}">
+                <a16:creationId xmlns:a16="http://schemas.microsoft.com/office/drawing/2014/main" id="{3A6F4F27-D7A7-8A90-E7B5-F2F80232DC9F}"/>
+              </a:ext>
+            </a:extLst>
+          </p:cNvPr>
+          <p:cNvPicPr/>
+          <p:nvPr/>
+        </p:nvPicPr>
+        <p:blipFill rotWithShape="1">
+          <a:blip r:embed="rId2" cstate="print">
+            <a:extLst>
+              <a:ext uri="{28A0092B-C50C-407E-A947-70E740481C1C}">
+                <a14:useLocalDpi xmlns:a14="http://schemas.microsoft.com/office/drawing/2010/main" val="0"/>
+              </a:ext>
+            </a:extLst>
+          </a:blip>
+          <a:srcRect l="14307" t="12589" r="14019" b="13449"/>
+          <a:stretch/>
+        </p:blipFill>
+        <p:spPr>
+          <a:xfrm>
+            <a:off x="2202197" y="875681"/>
+            <a:ext cx="3328972" cy="3364752"/>
+          </a:xfrm>
+          <a:prstGeom prst="rect">
+            <a:avLst/>
+          </a:prstGeom>
+        </p:spPr>
+      </p:pic>
       <p:sp>
         <p:nvSpPr>
           <p:cNvPr id="14" name="Minus Sign 13">
@@ -3399,76 +3432,6 @@
       </p:sp>
       <p:pic>
         <p:nvPicPr>
-          <p:cNvPr id="7" name="Picture 6">
-            <a:extLst>
-              <a:ext uri="{FF2B5EF4-FFF2-40B4-BE49-F238E27FC236}">
-                <a16:creationId xmlns:a16="http://schemas.microsoft.com/office/drawing/2014/main" id="{3A6F4F27-D7A7-8A90-E7B5-F2F80232DC9F}"/>
-              </a:ext>
-            </a:extLst>
-          </p:cNvPr>
-          <p:cNvPicPr>
-            <a:picLocks noChangeAspect="1"/>
-          </p:cNvPicPr>
-          <p:nvPr/>
-        </p:nvPicPr>
-        <p:blipFill rotWithShape="1">
-          <a:blip r:embed="rId2">
-            <a:extLst>
-              <a:ext uri="{28A0092B-C50C-407E-A947-70E740481C1C}">
-                <a14:useLocalDpi xmlns:a14="http://schemas.microsoft.com/office/drawing/2010/main" val="0"/>
-              </a:ext>
-            </a:extLst>
-          </a:blip>
-          <a:srcRect l="14307" t="12589" r="14019" b="13449"/>
-          <a:stretch/>
-        </p:blipFill>
-        <p:spPr>
-          <a:xfrm>
-            <a:off x="2847976" y="638176"/>
-            <a:ext cx="3905249" cy="4029967"/>
-          </a:xfrm>
-          <a:prstGeom prst="rect">
-            <a:avLst/>
-          </a:prstGeom>
-        </p:spPr>
-      </p:pic>
-      <p:pic>
-        <p:nvPicPr>
-          <p:cNvPr id="9" name="Picture 8">
-            <a:extLst>
-              <a:ext uri="{FF2B5EF4-FFF2-40B4-BE49-F238E27FC236}">
-                <a16:creationId xmlns:a16="http://schemas.microsoft.com/office/drawing/2014/main" id="{277B8EEE-A981-E200-59C4-742B8777270E}"/>
-              </a:ext>
-            </a:extLst>
-          </p:cNvPr>
-          <p:cNvPicPr>
-            <a:picLocks noChangeAspect="1"/>
-          </p:cNvPicPr>
-          <p:nvPr/>
-        </p:nvPicPr>
-        <p:blipFill rotWithShape="1">
-          <a:blip r:embed="rId3">
-            <a:extLst>
-              <a:ext uri="{28A0092B-C50C-407E-A947-70E740481C1C}">
-                <a14:useLocalDpi xmlns:a14="http://schemas.microsoft.com/office/drawing/2010/main" val="0"/>
-              </a:ext>
-            </a:extLst>
-          </a:blip>
-          <a:srcRect l="39585" t="11389" r="39860" b="12639"/>
-          <a:stretch/>
-        </p:blipFill>
-        <p:spPr>
-          <a:xfrm>
-            <a:off x="7018441" y="581472"/>
-            <a:ext cx="1121060" cy="4143374"/>
-          </a:xfrm>
-          <a:prstGeom prst="rect">
-            <a:avLst/>
-          </a:prstGeom>
-        </p:spPr>
-      </p:pic>
-      <p:pic>
-        <p:nvPicPr>
           <p:cNvPr id="10" name="Graphic 9">
             <a:extLst>
               <a:ext uri="{FF2B5EF4-FFF2-40B4-BE49-F238E27FC236}">
@@ -3482,14 +3445,14 @@
           <p:nvPr/>
         </p:nvPicPr>
         <p:blipFill>
-          <a:blip r:embed="rId4" cstate="print">
+          <a:blip r:embed="rId3" cstate="print">
             <a:alphaModFix amt="19999"/>
             <a:extLst>
               <a:ext uri="{28A0092B-C50C-407E-A947-70E740481C1C}">
                 <a14:useLocalDpi xmlns:a14="http://schemas.microsoft.com/office/drawing/2010/main" val="0"/>
               </a:ext>
               <a:ext uri="{96DAC541-7B7A-43D3-8B79-37D633B846F1}">
-                <asvg:svgBlip xmlns:asvg="http://schemas.microsoft.com/office/drawing/2016/SVG/main" r:embed="rId5"/>
+                <asvg:svgBlip xmlns:asvg="http://schemas.microsoft.com/office/drawing/2016/SVG/main" r:embed="rId4"/>
               </a:ext>
             </a:extLst>
           </a:blip>
@@ -3682,6 +3645,47 @@
           </a:p>
         </p:txBody>
       </p:sp>
+      <p:pic>
+        <p:nvPicPr>
+          <p:cNvPr id="16" name="Picture 15">
+            <a:extLst>
+              <a:ext uri="{FF2B5EF4-FFF2-40B4-BE49-F238E27FC236}">
+                <a16:creationId xmlns:a16="http://schemas.microsoft.com/office/drawing/2014/main" id="{277B8EEE-A981-E200-59C4-742B8777270E}"/>
+              </a:ext>
+            </a:extLst>
+          </p:cNvPr>
+          <p:cNvPicPr/>
+          <p:nvPr/>
+        </p:nvPicPr>
+        <p:blipFill rotWithShape="1">
+          <a:blip r:embed="rId5">
+            <a:extLst>
+              <a:ext uri="{28A0092B-C50C-407E-A947-70E740481C1C}">
+                <a14:useLocalDpi xmlns:a14="http://schemas.microsoft.com/office/drawing/2010/main" val="0"/>
+              </a:ext>
+            </a:extLst>
+          </a:blip>
+          <a:srcRect l="39585" t="13629" r="39860" b="13824"/>
+          <a:stretch/>
+        </p:blipFill>
+        <p:spPr bwMode="auto">
+          <a:xfrm>
+            <a:off x="5865304" y="935665"/>
+            <a:ext cx="1020128" cy="3282752"/>
+          </a:xfrm>
+          <a:prstGeom prst="rect">
+            <a:avLst/>
+          </a:prstGeom>
+          <a:ln>
+            <a:noFill/>
+          </a:ln>
+          <a:extLst>
+            <a:ext uri="{53640926-AAD7-44D8-BBD7-CCE9431645EC}">
+              <a14:shadowObscured xmlns:a14="http://schemas.microsoft.com/office/drawing/2010/main"/>
+            </a:ext>
+          </a:extLst>
+        </p:spPr>
+      </p:pic>
     </p:spTree>
     <p:extLst>
       <p:ext uri="{BB962C8B-B14F-4D97-AF65-F5344CB8AC3E}">
@@ -4865,7 +4869,7 @@
                 </a:solidFill>
                 <a:latin typeface="Century Gothic" panose="020B0502020202020204" pitchFamily="34" charset="0"/>
               </a:rPr>
-              <a:t>Chose the idea and start the project</a:t>
+              <a:t>Choose the idea and start the project</a:t>
             </a:r>
             <a:endParaRPr lang="bg-BG" sz="2000" dirty="0">
               <a:solidFill>
